--- a/Weather Application.pptx
+++ b/Weather Application.pptx
@@ -5,16 +5,18 @@
     <p:sldMasterId id="2147483648" r:id="rId1"/>
   </p:sldMasterIdLst>
   <p:notesMasterIdLst>
-    <p:notesMasterId r:id="rId7"/>
+    <p:notesMasterId r:id="rId9"/>
   </p:notesMasterIdLst>
   <p:handoutMasterIdLst>
-    <p:handoutMasterId r:id="rId8"/>
+    <p:handoutMasterId r:id="rId10"/>
   </p:handoutMasterIdLst>
   <p:sldIdLst>
     <p:sldId id="257" r:id="rId3"/>
     <p:sldId id="259" r:id="rId4"/>
-    <p:sldId id="260" r:id="rId5"/>
-    <p:sldId id="261" r:id="rId6"/>
+    <p:sldId id="263" r:id="rId5"/>
+    <p:sldId id="260" r:id="rId6"/>
+    <p:sldId id="261" r:id="rId7"/>
+    <p:sldId id="262" r:id="rId8"/>
   </p:sldIdLst>
   <p:sldSz cx="12192000" cy="6858000"/>
   <p:notesSz cx="6858000" cy="9144000"/>
@@ -4485,17 +4487,10 @@
         <p:cNvGrpSpPr/>
         <p:nvPr/>
       </p:nvGrpSpPr>
-      <p:grpSpPr>
-        <a:xfrm>
-          <a:off x="0" y="0"/>
-          <a:ext cx="0" cy="0"/>
-          <a:chOff x="0" y="0"/>
-          <a:chExt cx="0" cy="0"/>
-        </a:xfrm>
-      </p:grpSpPr>
-      <p:sp>
-        <p:nvSpPr>
-          <p:cNvPr id="2" name="标题 1"/>
+      <p:grpSpPr/>
+      <p:sp>
+        <p:nvSpPr>
+          <p:cNvPr id="2" name="Title 1"/>
           <p:cNvSpPr>
             <a:spLocks noGrp="1"/>
           </p:cNvSpPr>
@@ -4506,93 +4501,28 @@
         <p:spPr/>
         <p:txBody>
           <a:bodyPr/>
-          <a:lstStyle/>
-          <a:p>
-            <a:r>
-              <a:rPr lang="en-US" dirty="0"/>
-              <a:t>Core Blocks</a:t>
-            </a:r>
-            <a:endParaRPr lang="en-US" dirty="0"/>
-          </a:p>
-        </p:txBody>
-      </p:sp>
-      <p:sp>
-        <p:nvSpPr>
-          <p:cNvPr id="3" name="内容占位符 2"/>
-          <p:cNvSpPr>
-            <a:spLocks noGrp="1"/>
-          </p:cNvSpPr>
-          <p:nvPr>
-            <p:ph idx="1"/>
+          <a:p>
+            <a:r>
+              <a:rPr lang="en-US"/>
+              <a:t>Prototype</a:t>
+            </a:r>
+            <a:endParaRPr lang="en-US"/>
+          </a:p>
+        </p:txBody>
+      </p:sp>
+      <p:sp>
+        <p:nvSpPr>
+          <p:cNvPr id="4" name="Date Placeholder 3"/>
+          <p:cNvSpPr>
+            <a:spLocks noGrp="1"/>
+          </p:cNvSpPr>
+          <p:nvPr>
+            <p:ph type="dt" sz="half" idx="10"/>
           </p:nvPr>
         </p:nvSpPr>
         <p:spPr/>
         <p:txBody>
           <a:bodyPr/>
-          <a:lstStyle/>
-          <a:p>
-            <a:pPr>
-              <a:buFont typeface="Wingdings" panose="05000000000000000000" pitchFamily="2" charset="2"/>
-              <a:buChar char="§"/>
-            </a:pPr>
-            <a:r>
-              <a:rPr lang="en-US" dirty="0"/>
-              <a:t> There will be multiple fragments or activities to display weather of different cities</a:t>
-            </a:r>
-            <a:endParaRPr lang="en-US" dirty="0"/>
-          </a:p>
-          <a:p>
-            <a:pPr>
-              <a:buFont typeface="Wingdings" panose="05000000000000000000" pitchFamily="2" charset="2"/>
-              <a:buChar char="§"/>
-            </a:pPr>
-            <a:endParaRPr lang="en-US" dirty="0"/>
-          </a:p>
-          <a:p>
-            <a:pPr>
-              <a:buFont typeface="Wingdings" panose="05000000000000000000" pitchFamily="2" charset="2"/>
-              <a:buChar char="§"/>
-            </a:pPr>
-            <a:r>
-              <a:rPr lang="en-US" dirty="0"/>
-              <a:t> The function setting screen will allow user to choose cities, change application appearance. </a:t>
-            </a:r>
-            <a:endParaRPr lang="en-US" dirty="0"/>
-          </a:p>
-          <a:p>
-            <a:pPr>
-              <a:buFont typeface="Wingdings" panose="05000000000000000000" pitchFamily="2" charset="2"/>
-              <a:buChar char="§"/>
-            </a:pPr>
-            <a:endParaRPr lang="en-US" dirty="0"/>
-          </a:p>
-          <a:p>
-            <a:pPr>
-              <a:buFont typeface="Wingdings" panose="05000000000000000000" pitchFamily="2" charset="2"/>
-              <a:buChar char="§"/>
-            </a:pPr>
-            <a:r>
-              <a:rPr lang="en-US" dirty="0"/>
-              <a:t> We are stilling thinking of functionalities that will need multi-threading</a:t>
-            </a:r>
-            <a:endParaRPr lang="en-US" dirty="0"/>
-          </a:p>
-        </p:txBody>
-      </p:sp>
-      <p:sp>
-        <p:nvSpPr>
-          <p:cNvPr id="4" name="日期占位符 3"/>
-          <p:cNvSpPr>
-            <a:spLocks noGrp="1"/>
-          </p:cNvSpPr>
-          <p:nvPr>
-            <p:ph type="dt" sz="half" idx="10"/>
-          </p:nvPr>
-        </p:nvSpPr>
-        <p:spPr/>
-        <p:txBody>
-          <a:bodyPr/>
-          <a:lstStyle/>
           <a:p>
             <a:pPr rtl="0"/>
             <a:fld id="{A24A4C0A-F292-41BE-9CD1-530467B1B9F8}" type="datetime1">
@@ -4602,6 +4532,32 @@
           </a:p>
         </p:txBody>
       </p:sp>
+      <p:pic>
+        <p:nvPicPr>
+          <p:cNvPr id="5" name="Content Placeholder 4"/>
+          <p:cNvPicPr>
+            <a:picLocks noChangeAspect="1"/>
+          </p:cNvPicPr>
+          <p:nvPr>
+            <p:ph idx="1"/>
+          </p:nvPr>
+        </p:nvPicPr>
+        <p:blipFill>
+          <a:blip r:embed="rId1"/>
+          <a:stretch>
+            <a:fillRect/>
+          </a:stretch>
+        </p:blipFill>
+        <p:spPr>
+          <a:xfrm>
+            <a:off x="3615690" y="2108200"/>
+            <a:ext cx="5020945" cy="3761105"/>
+          </a:xfrm>
+          <a:prstGeom prst="rect">
+            <a:avLst/>
+          </a:prstGeom>
+        </p:spPr>
+      </p:pic>
     </p:spTree>
   </p:cSld>
   <p:clrMapOvr>
@@ -4644,7 +4600,7 @@
           <a:p>
             <a:r>
               <a:rPr lang="en-US" dirty="0"/>
-              <a:t>Feature Blocks</a:t>
+              <a:t>Core Blocks</a:t>
             </a:r>
             <a:endParaRPr lang="en-US" dirty="0"/>
           </a:p>
@@ -4671,7 +4627,7 @@
             </a:pPr>
             <a:r>
               <a:rPr lang="en-US" dirty="0"/>
-              <a:t> GPS will be used to locate the location of user</a:t>
+              <a:t> There will be multiple fragments or activities to display weather of different cities</a:t>
             </a:r>
             <a:endParaRPr lang="en-US" dirty="0"/>
           </a:p>
@@ -4689,7 +4645,7 @@
             </a:pPr>
             <a:r>
               <a:rPr lang="en-US" dirty="0"/>
-              <a:t> Widget will be used to display weather information</a:t>
+              <a:t> The function setting screen will allow user to choose cities, change application appearance. </a:t>
             </a:r>
             <a:endParaRPr lang="en-US" dirty="0"/>
           </a:p>
@@ -4707,7 +4663,7 @@
             </a:pPr>
             <a:r>
               <a:rPr lang="en-US" dirty="0"/>
-              <a:t> Web Restful API will be used to get weather information</a:t>
+              <a:t> Corouting will be used to update weather of cities choosen. </a:t>
             </a:r>
             <a:endParaRPr lang="en-US" dirty="0"/>
           </a:p>
@@ -4727,6 +4683,300 @@
         <p:txBody>
           <a:bodyPr/>
           <a:lstStyle/>
+          <a:p>
+            <a:pPr rtl="0"/>
+            <a:fld id="{A24A4C0A-F292-41BE-9CD1-530467B1B9F8}" type="datetime1">
+              <a:rPr lang="zh-CN" altLang="en-US" smtClean="0"/>
+            </a:fld>
+            <a:endParaRPr lang="en-US" dirty="0"/>
+          </a:p>
+        </p:txBody>
+      </p:sp>
+    </p:spTree>
+  </p:cSld>
+  <p:clrMapOvr>
+    <a:masterClrMapping/>
+  </p:clrMapOvr>
+</p:sld>
+</file>
+
+<file path=ppt/slides/slide5.xml><?xml version="1.0" encoding="utf-8"?>
+<p:sld xmlns:a="http://schemas.openxmlformats.org/drawingml/2006/main" xmlns:r="http://schemas.openxmlformats.org/officeDocument/2006/relationships" xmlns:p="http://schemas.openxmlformats.org/presentationml/2006/main">
+  <p:cSld>
+    <p:spTree>
+      <p:nvGrpSpPr>
+        <p:cNvPr id="1" name=""/>
+        <p:cNvGrpSpPr/>
+        <p:nvPr/>
+      </p:nvGrpSpPr>
+      <p:grpSpPr>
+        <a:xfrm>
+          <a:off x="0" y="0"/>
+          <a:ext cx="0" cy="0"/>
+          <a:chOff x="0" y="0"/>
+          <a:chExt cx="0" cy="0"/>
+        </a:xfrm>
+      </p:grpSpPr>
+      <p:sp>
+        <p:nvSpPr>
+          <p:cNvPr id="2" name="标题 1"/>
+          <p:cNvSpPr>
+            <a:spLocks noGrp="1"/>
+          </p:cNvSpPr>
+          <p:nvPr>
+            <p:ph type="title"/>
+          </p:nvPr>
+        </p:nvSpPr>
+        <p:spPr/>
+        <p:txBody>
+          <a:bodyPr/>
+          <a:lstStyle/>
+          <a:p>
+            <a:r>
+              <a:rPr lang="en-US" dirty="0"/>
+              <a:t>Feature Blocks</a:t>
+            </a:r>
+            <a:endParaRPr lang="en-US" dirty="0"/>
+          </a:p>
+        </p:txBody>
+      </p:sp>
+      <p:sp>
+        <p:nvSpPr>
+          <p:cNvPr id="3" name="内容占位符 2"/>
+          <p:cNvSpPr>
+            <a:spLocks noGrp="1"/>
+          </p:cNvSpPr>
+          <p:nvPr>
+            <p:ph idx="1"/>
+          </p:nvPr>
+        </p:nvSpPr>
+        <p:spPr/>
+        <p:txBody>
+          <a:bodyPr/>
+          <a:lstStyle/>
+          <a:p>
+            <a:pPr>
+              <a:buFont typeface="Wingdings" panose="05000000000000000000" pitchFamily="2" charset="2"/>
+              <a:buChar char="§"/>
+            </a:pPr>
+            <a:r>
+              <a:rPr lang="en-US" dirty="0"/>
+              <a:t> GPS will be used to locate the location of user</a:t>
+            </a:r>
+            <a:endParaRPr lang="en-US" dirty="0"/>
+          </a:p>
+          <a:p>
+            <a:pPr>
+              <a:buFont typeface="Wingdings" panose="05000000000000000000" pitchFamily="2" charset="2"/>
+              <a:buChar char="§"/>
+            </a:pPr>
+            <a:endParaRPr lang="en-US" dirty="0"/>
+          </a:p>
+          <a:p>
+            <a:pPr>
+              <a:buFont typeface="Wingdings" panose="05000000000000000000" pitchFamily="2" charset="2"/>
+              <a:buChar char="§"/>
+            </a:pPr>
+            <a:r>
+              <a:rPr lang="en-US" dirty="0"/>
+              <a:t> Widget will be used to display weather information</a:t>
+            </a:r>
+            <a:endParaRPr lang="en-US" dirty="0"/>
+          </a:p>
+          <a:p>
+            <a:pPr>
+              <a:buFont typeface="Wingdings" panose="05000000000000000000" pitchFamily="2" charset="2"/>
+              <a:buChar char="§"/>
+            </a:pPr>
+            <a:endParaRPr lang="en-US" dirty="0"/>
+          </a:p>
+          <a:p>
+            <a:pPr>
+              <a:buFont typeface="Wingdings" panose="05000000000000000000" pitchFamily="2" charset="2"/>
+              <a:buChar char="§"/>
+            </a:pPr>
+            <a:r>
+              <a:rPr lang="en-US" dirty="0"/>
+              <a:t> Web Restful API will be used to get weather information(openweathermap)</a:t>
+            </a:r>
+            <a:endParaRPr lang="en-US" dirty="0"/>
+          </a:p>
+          <a:p>
+            <a:pPr>
+              <a:buFont typeface="Wingdings" panose="05000000000000000000" pitchFamily="2" charset="2"/>
+              <a:buChar char="§"/>
+            </a:pPr>
+            <a:endParaRPr lang="en-US" dirty="0"/>
+          </a:p>
+          <a:p>
+            <a:pPr>
+              <a:buFont typeface="Wingdings" panose="05000000000000000000" pitchFamily="2" charset="2"/>
+              <a:buChar char="§"/>
+            </a:pPr>
+            <a:r>
+              <a:rPr lang="en-US" dirty="0"/>
+              <a:t> Service may be used to gather weather information</a:t>
+            </a:r>
+            <a:endParaRPr lang="en-US" dirty="0"/>
+          </a:p>
+        </p:txBody>
+      </p:sp>
+      <p:sp>
+        <p:nvSpPr>
+          <p:cNvPr id="4" name="日期占位符 3"/>
+          <p:cNvSpPr>
+            <a:spLocks noGrp="1"/>
+          </p:cNvSpPr>
+          <p:nvPr>
+            <p:ph type="dt" sz="half" idx="10"/>
+          </p:nvPr>
+        </p:nvSpPr>
+        <p:spPr/>
+        <p:txBody>
+          <a:bodyPr/>
+          <a:lstStyle/>
+          <a:p>
+            <a:pPr rtl="0"/>
+            <a:fld id="{A24A4C0A-F292-41BE-9CD1-530467B1B9F8}" type="datetime1">
+              <a:rPr lang="zh-CN" altLang="en-US" smtClean="0"/>
+            </a:fld>
+            <a:endParaRPr lang="en-US" dirty="0"/>
+          </a:p>
+        </p:txBody>
+      </p:sp>
+    </p:spTree>
+  </p:cSld>
+  <p:clrMapOvr>
+    <a:masterClrMapping/>
+  </p:clrMapOvr>
+</p:sld>
+</file>
+
+<file path=ppt/slides/slide6.xml><?xml version="1.0" encoding="utf-8"?>
+<p:sld xmlns:a="http://schemas.openxmlformats.org/drawingml/2006/main" xmlns:r="http://schemas.openxmlformats.org/officeDocument/2006/relationships" xmlns:p="http://schemas.openxmlformats.org/presentationml/2006/main">
+  <p:cSld>
+    <p:spTree>
+      <p:nvGrpSpPr>
+        <p:cNvPr id="1" name=""/>
+        <p:cNvGrpSpPr/>
+        <p:nvPr/>
+      </p:nvGrpSpPr>
+      <p:grpSpPr/>
+      <p:sp>
+        <p:nvSpPr>
+          <p:cNvPr id="2" name="Title 1"/>
+          <p:cNvSpPr>
+            <a:spLocks noGrp="1"/>
+          </p:cNvSpPr>
+          <p:nvPr>
+            <p:ph type="title"/>
+          </p:nvPr>
+        </p:nvSpPr>
+        <p:spPr/>
+        <p:txBody>
+          <a:bodyPr/>
+          <a:p>
+            <a:r>
+              <a:rPr lang="en-US"/>
+              <a:t>Work Division</a:t>
+            </a:r>
+            <a:endParaRPr lang="en-US"/>
+          </a:p>
+        </p:txBody>
+      </p:sp>
+      <p:sp>
+        <p:nvSpPr>
+          <p:cNvPr id="3" name="Content Placeholder 2"/>
+          <p:cNvSpPr>
+            <a:spLocks noGrp="1"/>
+          </p:cNvSpPr>
+          <p:nvPr>
+            <p:ph idx="1"/>
+          </p:nvPr>
+        </p:nvSpPr>
+        <p:spPr/>
+        <p:txBody>
+          <a:bodyPr/>
+          <a:p>
+            <a:pPr>
+              <a:buFont typeface="Wingdings" panose="05000000000000000000" charset="0"/>
+              <a:buChar char="§"/>
+            </a:pPr>
+            <a:r>
+              <a:rPr lang="en-US"/>
+              <a:t> UI design (Martin)</a:t>
+            </a:r>
+            <a:endParaRPr lang="en-US"/>
+          </a:p>
+          <a:p>
+            <a:pPr>
+              <a:buFont typeface="Wingdings" panose="05000000000000000000" charset="0"/>
+              <a:buChar char="§"/>
+            </a:pPr>
+            <a:endParaRPr lang="en-US"/>
+          </a:p>
+          <a:p>
+            <a:pPr>
+              <a:buFont typeface="Wingdings" panose="05000000000000000000" charset="0"/>
+              <a:buChar char="§"/>
+            </a:pPr>
+            <a:r>
+              <a:rPr lang="en-US"/>
+              <a:t> Main Functionalities (Xuejun)</a:t>
+            </a:r>
+            <a:endParaRPr lang="en-US"/>
+          </a:p>
+          <a:p>
+            <a:pPr marL="0" indent="0">
+              <a:buFont typeface="Wingdings" panose="05000000000000000000" charset="0"/>
+              <a:buNone/>
+            </a:pPr>
+            <a:endParaRPr lang="en-US"/>
+          </a:p>
+          <a:p>
+            <a:pPr>
+              <a:buFont typeface="Wingdings" panose="05000000000000000000" charset="0"/>
+              <a:buChar char="§"/>
+            </a:pPr>
+            <a:r>
+              <a:rPr lang="en-US"/>
+              <a:t> API and setting (Ander)</a:t>
+            </a:r>
+            <a:endParaRPr lang="en-US"/>
+          </a:p>
+          <a:p>
+            <a:pPr>
+              <a:buFont typeface="Wingdings" panose="05000000000000000000" charset="0"/>
+              <a:buChar char="§"/>
+            </a:pPr>
+            <a:endParaRPr lang="en-US"/>
+          </a:p>
+          <a:p>
+            <a:pPr>
+              <a:buFont typeface="Wingdings" panose="05000000000000000000" charset="0"/>
+              <a:buChar char="§"/>
+            </a:pPr>
+            <a:r>
+              <a:rPr lang="en-US"/>
+              <a:t> We will adjust the work division based on the workload of each part</a:t>
+            </a:r>
+            <a:endParaRPr lang="en-US"/>
+          </a:p>
+        </p:txBody>
+      </p:sp>
+      <p:sp>
+        <p:nvSpPr>
+          <p:cNvPr id="4" name="Date Placeholder 3"/>
+          <p:cNvSpPr>
+            <a:spLocks noGrp="1"/>
+          </p:cNvSpPr>
+          <p:nvPr>
+            <p:ph type="dt" sz="half" idx="10"/>
+          </p:nvPr>
+        </p:nvSpPr>
+        <p:spPr/>
+        <p:txBody>
+          <a:bodyPr/>
           <a:p>
             <a:pPr rtl="0"/>
             <a:fld id="{A24A4C0A-F292-41BE-9CD1-530467B1B9F8}" type="datetime1">
